--- a/NNDL project.pptx
+++ b/NNDL project.pptx
@@ -5,7 +5,7 @@
     <p:sldMasterId id="2147483648" r:id="rId1"/>
   </p:sldMasterIdLst>
   <p:notesMasterIdLst>
-    <p:notesMasterId r:id="rId10"/>
+    <p:notesMasterId r:id="rId11"/>
   </p:notesMasterIdLst>
   <p:sldIdLst>
     <p:sldId id="256" r:id="rId2"/>
@@ -15,17 +15,18 @@
     <p:sldId id="260" r:id="rId6"/>
     <p:sldId id="261" r:id="rId7"/>
     <p:sldId id="266" r:id="rId8"/>
-    <p:sldId id="262" r:id="rId9"/>
+    <p:sldId id="267" r:id="rId9"/>
+    <p:sldId id="262" r:id="rId10"/>
   </p:sldIdLst>
   <p:sldSz cx="12192000" cy="6858000"/>
   <p:notesSz cx="6858000" cy="9144000"/>
   <p:embeddedFontLst>
     <p:embeddedFont>
       <p:font typeface="Libre Franklin" pitchFamily="2" charset="0"/>
-      <p:regular r:id="rId11"/>
-      <p:bold r:id="rId12"/>
-      <p:italic r:id="rId13"/>
-      <p:boldItalic r:id="rId14"/>
+      <p:regular r:id="rId12"/>
+      <p:bold r:id="rId13"/>
+      <p:italic r:id="rId14"/>
+      <p:boldItalic r:id="rId15"/>
     </p:embeddedFont>
   </p:embeddedFontLst>
   <p:defaultTextStyle>
@@ -262,10 +263,86 @@
       <p15:sldGuideLst xmlns:p15="http://schemas.microsoft.com/office/powerpoint/2012/main"/>
     </p:ext>
     <p:ext uri="GoogleSlidesCustomDataVersion2">
-      <go:slidesCustomData xmlns="" xmlns:mc="http://schemas.openxmlformats.org/markup-compatibility/2006" xmlns:mv="urn:schemas-microsoft-com:mac:vml" xmlns:c="http://schemas.openxmlformats.org/drawingml/2006/chart" xmlns:dgm="http://schemas.openxmlformats.org/drawingml/2006/diagram" xmlns:o="urn:schemas-microsoft-com:office:office" xmlns:v="urn:schemas-microsoft-com:vml" xmlns:pvml="urn:schemas-microsoft-com:office:powerpoint" xmlns:com="http://schemas.openxmlformats.org/drawingml/2006/compatibility" xmlns:p14="http://schemas.microsoft.com/office/powerpoint/2010/main" xmlns:p15="http://schemas.microsoft.com/office/powerpoint/2012/main" xmlns:ahyp="http://schemas.microsoft.com/office/drawing/2018/hyperlinkcolor" xmlns:go="http://customooxmlschemas.google.com/" r:id="rId16" roundtripDataSignature="AMtx7mhYhgqdlTtf25AJU6Ua6fy0i5WnYw=="/>
+      <go:slidesCustomData xmlns:go="http://customooxmlschemas.google.com/" xmlns:ahyp="http://schemas.microsoft.com/office/drawing/2018/hyperlinkcolor" xmlns:p15="http://schemas.microsoft.com/office/powerpoint/2012/main" xmlns:p14="http://schemas.microsoft.com/office/powerpoint/2010/main" xmlns:com="http://schemas.openxmlformats.org/drawingml/2006/compatibility" xmlns:pvml="urn:schemas-microsoft-com:office:powerpoint" xmlns:v="urn:schemas-microsoft-com:vml" xmlns:o="urn:schemas-microsoft-com:office:office" xmlns:dgm="http://schemas.openxmlformats.org/drawingml/2006/diagram" xmlns:c="http://schemas.openxmlformats.org/drawingml/2006/chart" xmlns:mv="urn:schemas-microsoft-com:mac:vml" xmlns:mc="http://schemas.openxmlformats.org/markup-compatibility/2006" xmlns="" r:id="rId16" roundtripDataSignature="AMtx7mhYhgqdlTtf25AJU6Ua6fy0i5WnYw=="/>
     </p:ext>
   </p:extLst>
 </p:presentation>
+</file>
+
+<file path=ppt/changesInfos/changesInfo1.xml><?xml version="1.0" encoding="utf-8"?>
+<pc:chgInfo xmlns:a="http://schemas.openxmlformats.org/drawingml/2006/main" xmlns:r="http://schemas.openxmlformats.org/officeDocument/2006/relationships" xmlns:ac="http://schemas.microsoft.com/office/drawing/2013/main/command" xmlns:pc="http://schemas.microsoft.com/office/powerpoint/2013/main/command">
+  <pc:docChgLst>
+    <pc:chgData name="Vyshnavi Nagalla" userId="c75a7544fdee7843" providerId="LiveId" clId="{BD12E2CC-25B9-4759-8A23-68799C5B51DF}"/>
+    <pc:docChg chg="undo custSel addSld modSld">
+      <pc:chgData name="Vyshnavi Nagalla" userId="c75a7544fdee7843" providerId="LiveId" clId="{BD12E2CC-25B9-4759-8A23-68799C5B51DF}" dt="2025-04-15T20:48:46.919" v="98" actId="2711"/>
+      <pc:docMkLst>
+        <pc:docMk/>
+      </pc:docMkLst>
+      <pc:sldChg chg="delSp modSp mod">
+        <pc:chgData name="Vyshnavi Nagalla" userId="c75a7544fdee7843" providerId="LiveId" clId="{BD12E2CC-25B9-4759-8A23-68799C5B51DF}" dt="2025-04-15T20:46:43.935" v="65"/>
+        <pc:sldMkLst>
+          <pc:docMk/>
+          <pc:sldMk cId="0" sldId="256"/>
+        </pc:sldMkLst>
+        <pc:spChg chg="mod">
+          <ac:chgData name="Vyshnavi Nagalla" userId="c75a7544fdee7843" providerId="LiveId" clId="{BD12E2CC-25B9-4759-8A23-68799C5B51DF}" dt="2025-04-15T20:45:56.476" v="52" actId="14100"/>
+          <ac:spMkLst>
+            <pc:docMk/>
+            <pc:sldMk cId="0" sldId="256"/>
+            <ac:spMk id="97" creationId="{00000000-0000-0000-0000-000000000000}"/>
+          </ac:spMkLst>
+        </pc:spChg>
+        <pc:spChg chg="del mod">
+          <ac:chgData name="Vyshnavi Nagalla" userId="c75a7544fdee7843" providerId="LiveId" clId="{BD12E2CC-25B9-4759-8A23-68799C5B51DF}" dt="2025-04-15T20:46:43.935" v="65"/>
+          <ac:spMkLst>
+            <pc:docMk/>
+            <pc:sldMk cId="0" sldId="256"/>
+            <ac:spMk id="98" creationId="{00000000-0000-0000-0000-000000000000}"/>
+          </ac:spMkLst>
+        </pc:spChg>
+        <pc:spChg chg="mod">
+          <ac:chgData name="Vyshnavi Nagalla" userId="c75a7544fdee7843" providerId="LiveId" clId="{BD12E2CC-25B9-4759-8A23-68799C5B51DF}" dt="2025-04-15T20:46:41.430" v="63" actId="404"/>
+          <ac:spMkLst>
+            <pc:docMk/>
+            <pc:sldMk cId="0" sldId="256"/>
+            <ac:spMk id="99" creationId="{00000000-0000-0000-0000-000000000000}"/>
+          </ac:spMkLst>
+        </pc:spChg>
+      </pc:sldChg>
+      <pc:sldChg chg="addSp modSp new mod">
+        <pc:chgData name="Vyshnavi Nagalla" userId="c75a7544fdee7843" providerId="LiveId" clId="{BD12E2CC-25B9-4759-8A23-68799C5B51DF}" dt="2025-04-15T20:48:46.919" v="98" actId="2711"/>
+        <pc:sldMkLst>
+          <pc:docMk/>
+          <pc:sldMk cId="2415348113" sldId="267"/>
+        </pc:sldMkLst>
+        <pc:spChg chg="mod">
+          <ac:chgData name="Vyshnavi Nagalla" userId="c75a7544fdee7843" providerId="LiveId" clId="{BD12E2CC-25B9-4759-8A23-68799C5B51DF}" dt="2025-04-15T20:48:46.919" v="98" actId="2711"/>
+          <ac:spMkLst>
+            <pc:docMk/>
+            <pc:sldMk cId="2415348113" sldId="267"/>
+            <ac:spMk id="2" creationId="{E4FAAE3D-8073-533F-D5FF-5A89BFCFF3E4}"/>
+          </ac:spMkLst>
+        </pc:spChg>
+        <pc:spChg chg="mod">
+          <ac:chgData name="Vyshnavi Nagalla" userId="c75a7544fdee7843" providerId="LiveId" clId="{BD12E2CC-25B9-4759-8A23-68799C5B51DF}" dt="2025-04-15T20:48:05.569" v="68" actId="14100"/>
+          <ac:spMkLst>
+            <pc:docMk/>
+            <pc:sldMk cId="2415348113" sldId="267"/>
+            <ac:spMk id="3" creationId="{50E37BB0-AF68-0887-F347-4985FFF5F53D}"/>
+          </ac:spMkLst>
+        </pc:spChg>
+        <pc:picChg chg="add mod">
+          <ac:chgData name="Vyshnavi Nagalla" userId="c75a7544fdee7843" providerId="LiveId" clId="{BD12E2CC-25B9-4759-8A23-68799C5B51DF}" dt="2025-04-15T20:48:23.309" v="69" actId="14100"/>
+          <ac:picMkLst>
+            <pc:docMk/>
+            <pc:sldMk cId="2415348113" sldId="267"/>
+            <ac:picMk id="1026" creationId="{9C41F880-EB73-35C1-175D-4B841751A4C4}"/>
+          </ac:picMkLst>
+        </pc:picChg>
+      </pc:sldChg>
+    </pc:docChg>
+  </pc:docChgLst>
+</pc:chgInfo>
 </file>
 
 <file path=ppt/notesMasters/notesMaster1.xml><?xml version="1.0" encoding="utf-8"?>
@@ -12431,8 +12508,8 @@
         </p:nvSpPr>
         <p:spPr>
           <a:xfrm>
-            <a:off x="1915125" y="1302550"/>
-            <a:ext cx="8361300" cy="1906500"/>
+            <a:off x="1915125" y="921792"/>
+            <a:ext cx="8361300" cy="1844840"/>
           </a:xfrm>
           <a:prstGeom prst="rect">
             <a:avLst/>
@@ -12466,7 +12543,7 @@
               <a:buNone/>
             </a:pPr>
             <a:r>
-              <a:rPr lang="en-US" sz="5000">
+              <a:rPr lang="en-US" sz="5000" dirty="0">
                 <a:latin typeface="Times New Roman"/>
                 <a:ea typeface="Times New Roman"/>
                 <a:cs typeface="Times New Roman"/>
@@ -12474,57 +12551,7 @@
               </a:rPr>
               <a:t>SMS SPAM CLASSIFICATION USING DEEP LEARNING</a:t>
             </a:r>
-            <a:endParaRPr/>
-          </a:p>
-        </p:txBody>
-      </p:sp>
-      <p:sp>
-        <p:nvSpPr>
-          <p:cNvPr id="98" name="Google Shape;98;p1"/>
-          <p:cNvSpPr txBox="1"/>
-          <p:nvPr/>
-        </p:nvSpPr>
-        <p:spPr>
-          <a:xfrm>
-            <a:off x="5250725" y="3886682"/>
-            <a:ext cx="5467500" cy="585000"/>
-          </a:xfrm>
-          <a:prstGeom prst="rect">
-            <a:avLst/>
-          </a:prstGeom>
-          <a:noFill/>
-          <a:ln>
-            <a:noFill/>
-          </a:ln>
-        </p:spPr>
-        <p:txBody>
-          <a:bodyPr spcFirstLastPara="1" wrap="square" lIns="91425" tIns="45700" rIns="91425" bIns="45700" anchor="t" anchorCtr="0">
-            <a:spAutoFit/>
-          </a:bodyPr>
-          <a:lstStyle/>
-          <a:p>
-            <a:pPr marL="0" marR="0" lvl="0" indent="0" algn="l" rtl="0">
-              <a:spcBef>
-                <a:spcPts val="0"/>
-              </a:spcBef>
-              <a:spcAft>
-                <a:spcPts val="0"/>
-              </a:spcAft>
-              <a:buNone/>
-            </a:pPr>
-            <a:r>
-              <a:rPr lang="en-US" sz="3200" b="1">
-                <a:solidFill>
-                  <a:schemeClr val="dk1"/>
-                </a:solidFill>
-                <a:latin typeface="Times New Roman"/>
-                <a:ea typeface="Times New Roman"/>
-                <a:cs typeface="Times New Roman"/>
-                <a:sym typeface="Times New Roman"/>
-              </a:rPr>
-              <a:t>Prem Sai Nayudu: 700759816</a:t>
-            </a:r>
-            <a:endParaRPr/>
+            <a:endParaRPr dirty="0"/>
           </a:p>
         </p:txBody>
       </p:sp>
@@ -12536,8 +12563,8 @@
         </p:nvSpPr>
         <p:spPr>
           <a:xfrm>
-            <a:off x="5441375" y="4471675"/>
-            <a:ext cx="5218500" cy="1250100"/>
+            <a:off x="5441375" y="3688414"/>
+            <a:ext cx="5218500" cy="2033361"/>
           </a:xfrm>
           <a:prstGeom prst="rect">
             <a:avLst/>
@@ -12553,6 +12580,29 @@
           </a:bodyPr>
           <a:lstStyle/>
           <a:p>
+            <a:r>
+              <a:rPr lang="en-US" sz="2800" b="1" dirty="0">
+                <a:solidFill>
+                  <a:schemeClr val="dk1"/>
+                </a:solidFill>
+                <a:latin typeface="Times New Roman"/>
+                <a:ea typeface="Times New Roman"/>
+                <a:cs typeface="Times New Roman"/>
+                <a:sym typeface="Times New Roman"/>
+              </a:rPr>
+              <a:t>Prem Sai Nayudu: 700759816</a:t>
+            </a:r>
+            <a:endParaRPr lang="en-US" sz="2800" dirty="0">
+              <a:solidFill>
+                <a:schemeClr val="dk2"/>
+              </a:solidFill>
+              <a:latin typeface="Times New Roman"/>
+              <a:ea typeface="Times New Roman"/>
+              <a:cs typeface="Times New Roman"/>
+              <a:sym typeface="Times New Roman"/>
+            </a:endParaRPr>
+          </a:p>
+          <a:p>
             <a:pPr marL="0" lvl="0" indent="0" algn="l" rtl="0">
               <a:spcBef>
                 <a:spcPts val="0"/>
@@ -12563,7 +12613,7 @@
               <a:buNone/>
             </a:pPr>
             <a:r>
-              <a:rPr lang="en-US" sz="2000">
+              <a:rPr lang="en-US" sz="2000" dirty="0">
                 <a:solidFill>
                   <a:schemeClr val="dk2"/>
                 </a:solidFill>
@@ -12574,7 +12624,7 @@
               </a:rPr>
               <a:t>Author: Sridevi Gadde, A. Lakshmanarao, S. Sathyanarayana</a:t>
             </a:r>
-            <a:endParaRPr sz="2000">
+            <a:endParaRPr sz="2000" dirty="0">
               <a:solidFill>
                 <a:schemeClr val="dk2"/>
               </a:solidFill>
@@ -12595,7 +12645,7 @@
               <a:buNone/>
             </a:pPr>
             <a:r>
-              <a:rPr lang="en-US" sz="2000">
+              <a:rPr lang="en-US" sz="2000" dirty="0">
                 <a:solidFill>
                   <a:schemeClr val="dk2"/>
                 </a:solidFill>
@@ -12603,10 +12653,44 @@
                 <a:ea typeface="Times New Roman"/>
                 <a:cs typeface="Times New Roman"/>
                 <a:sym typeface="Times New Roman"/>
+                <a:hlinkClick r:id="rId4"/>
               </a:rPr>
               <a:t>https://ieeexplore.ieee.org/document/9441783</a:t>
             </a:r>
-            <a:endParaRPr sz="2000">
+            <a:endParaRPr lang="en-US" sz="2000" dirty="0">
+              <a:solidFill>
+                <a:schemeClr val="dk2"/>
+              </a:solidFill>
+              <a:latin typeface="Times New Roman"/>
+              <a:ea typeface="Times New Roman"/>
+              <a:cs typeface="Times New Roman"/>
+              <a:sym typeface="Times New Roman"/>
+            </a:endParaRPr>
+          </a:p>
+          <a:p>
+            <a:pPr marL="0" lvl="0" indent="0" algn="l" rtl="0">
+              <a:spcBef>
+                <a:spcPts val="0"/>
+              </a:spcBef>
+              <a:spcAft>
+                <a:spcPts val="0"/>
+              </a:spcAft>
+              <a:buNone/>
+            </a:pPr>
+            <a:r>
+              <a:rPr lang="en-US" sz="2000" dirty="0">
+                <a:solidFill>
+                  <a:schemeClr val="dk2"/>
+                </a:solidFill>
+                <a:latin typeface="Times New Roman"/>
+                <a:ea typeface="Times New Roman"/>
+                <a:cs typeface="Times New Roman"/>
+                <a:sym typeface="Times New Roman"/>
+                <a:hlinkClick r:id="rId5"/>
+              </a:rPr>
+              <a:t>https://github.com/PremSai98160/NNDL_Project</a:t>
+            </a:r>
+            <a:endParaRPr sz="2000" dirty="0">
               <a:solidFill>
                 <a:schemeClr val="dk2"/>
               </a:solidFill>
@@ -13935,6 +14019,174 @@
 </file>
 
 <file path=ppt/slides/slide8.xml><?xml version="1.0" encoding="utf-8"?>
+<p:sld xmlns:a="http://schemas.openxmlformats.org/drawingml/2006/main" xmlns:r="http://schemas.openxmlformats.org/officeDocument/2006/relationships" xmlns:p="http://schemas.openxmlformats.org/presentationml/2006/main">
+  <p:cSld>
+    <p:spTree>
+      <p:nvGrpSpPr>
+        <p:cNvPr id="1" name=""/>
+        <p:cNvGrpSpPr/>
+        <p:nvPr/>
+      </p:nvGrpSpPr>
+      <p:grpSpPr>
+        <a:xfrm>
+          <a:off x="0" y="0"/>
+          <a:ext cx="0" cy="0"/>
+          <a:chOff x="0" y="0"/>
+          <a:chExt cx="0" cy="0"/>
+        </a:xfrm>
+      </p:grpSpPr>
+      <p:sp>
+        <p:nvSpPr>
+          <p:cNvPr id="2" name="Title 1">
+            <a:extLst>
+              <a:ext uri="{FF2B5EF4-FFF2-40B4-BE49-F238E27FC236}">
+                <a16:creationId xmlns:a16="http://schemas.microsoft.com/office/drawing/2014/main" id="{E4FAAE3D-8073-533F-D5FF-5A89BFCFF3E4}"/>
+              </a:ext>
+            </a:extLst>
+          </p:cNvPr>
+          <p:cNvSpPr>
+            <a:spLocks noGrp="1"/>
+          </p:cNvSpPr>
+          <p:nvPr>
+            <p:ph type="title"/>
+          </p:nvPr>
+        </p:nvSpPr>
+        <p:spPr>
+          <a:xfrm>
+            <a:off x="1371600" y="301658"/>
+            <a:ext cx="9601200" cy="1870042"/>
+          </a:xfrm>
+        </p:spPr>
+        <p:txBody>
+          <a:bodyPr/>
+          <a:lstStyle/>
+          <a:p>
+            <a:r>
+              <a:rPr lang="en-US" dirty="0">
+                <a:latin typeface="Times New Roman" panose="02020603050405020304" pitchFamily="18" charset="0"/>
+                <a:cs typeface="Times New Roman" panose="02020603050405020304" pitchFamily="18" charset="0"/>
+              </a:rPr>
+              <a:t>HAM </a:t>
+            </a:r>
+            <a:r>
+              <a:rPr lang="en-US" dirty="0" err="1">
+                <a:latin typeface="Times New Roman" panose="02020603050405020304" pitchFamily="18" charset="0"/>
+                <a:cs typeface="Times New Roman" panose="02020603050405020304" pitchFamily="18" charset="0"/>
+              </a:rPr>
+              <a:t>msgs</a:t>
+            </a:r>
+            <a:r>
+              <a:rPr lang="en-US" dirty="0">
+                <a:latin typeface="Times New Roman" panose="02020603050405020304" pitchFamily="18" charset="0"/>
+                <a:cs typeface="Times New Roman" panose="02020603050405020304" pitchFamily="18" charset="0"/>
+              </a:rPr>
+              <a:t> VS Spam </a:t>
+            </a:r>
+            <a:r>
+              <a:rPr lang="en-US" dirty="0" err="1">
+                <a:latin typeface="Times New Roman" panose="02020603050405020304" pitchFamily="18" charset="0"/>
+                <a:cs typeface="Times New Roman" panose="02020603050405020304" pitchFamily="18" charset="0"/>
+              </a:rPr>
+              <a:t>Msgs</a:t>
+            </a:r>
+            <a:endParaRPr lang="en-US" dirty="0">
+              <a:latin typeface="Times New Roman" panose="02020603050405020304" pitchFamily="18" charset="0"/>
+              <a:cs typeface="Times New Roman" panose="02020603050405020304" pitchFamily="18" charset="0"/>
+            </a:endParaRPr>
+          </a:p>
+        </p:txBody>
+      </p:sp>
+      <p:sp>
+        <p:nvSpPr>
+          <p:cNvPr id="3" name="Text Placeholder 2">
+            <a:extLst>
+              <a:ext uri="{FF2B5EF4-FFF2-40B4-BE49-F238E27FC236}">
+                <a16:creationId xmlns:a16="http://schemas.microsoft.com/office/drawing/2014/main" id="{50E37BB0-AF68-0887-F347-4985FFF5F53D}"/>
+              </a:ext>
+            </a:extLst>
+          </p:cNvPr>
+          <p:cNvSpPr>
+            <a:spLocks noGrp="1"/>
+          </p:cNvSpPr>
+          <p:nvPr>
+            <p:ph type="body" idx="1"/>
+          </p:nvPr>
+        </p:nvSpPr>
+        <p:spPr>
+          <a:xfrm>
+            <a:off x="1931232" y="2286000"/>
+            <a:ext cx="9041568" cy="3538909"/>
+          </a:xfrm>
+        </p:spPr>
+        <p:txBody>
+          <a:bodyPr/>
+          <a:lstStyle/>
+          <a:p>
+            <a:endParaRPr lang="en-US" dirty="0"/>
+          </a:p>
+        </p:txBody>
+      </p:sp>
+      <p:pic>
+        <p:nvPicPr>
+          <p:cNvPr id="1026" name="Picture 2">
+            <a:extLst>
+              <a:ext uri="{FF2B5EF4-FFF2-40B4-BE49-F238E27FC236}">
+                <a16:creationId xmlns:a16="http://schemas.microsoft.com/office/drawing/2014/main" id="{9C41F880-EB73-35C1-175D-4B841751A4C4}"/>
+              </a:ext>
+            </a:extLst>
+          </p:cNvPr>
+          <p:cNvPicPr>
+            <a:picLocks noChangeAspect="1" noChangeArrowheads="1"/>
+          </p:cNvPicPr>
+          <p:nvPr/>
+        </p:nvPicPr>
+        <p:blipFill>
+          <a:blip r:embed="rId2">
+            <a:extLst>
+              <a:ext uri="{28A0092B-C50C-407E-A947-70E740481C1C}">
+                <a14:useLocalDpi xmlns:a14="http://schemas.microsoft.com/office/drawing/2010/main" val="0"/>
+              </a:ext>
+            </a:extLst>
+          </a:blip>
+          <a:srcRect/>
+          <a:stretch>
+            <a:fillRect/>
+          </a:stretch>
+        </p:blipFill>
+        <p:spPr bwMode="auto">
+          <a:xfrm>
+            <a:off x="1593129" y="1127932"/>
+            <a:ext cx="10165483" cy="5044268"/>
+          </a:xfrm>
+          <a:prstGeom prst="rect">
+            <a:avLst/>
+          </a:prstGeom>
+          <a:noFill/>
+          <a:extLst>
+            <a:ext uri="{909E8E84-426E-40DD-AFC4-6F175D3DCCD1}">
+              <a14:hiddenFill xmlns:a14="http://schemas.microsoft.com/office/drawing/2010/main">
+                <a:solidFill>
+                  <a:srgbClr val="FFFFFF"/>
+                </a:solidFill>
+              </a14:hiddenFill>
+            </a:ext>
+          </a:extLst>
+        </p:spPr>
+      </p:pic>
+    </p:spTree>
+    <p:extLst>
+      <p:ext uri="{BB962C8B-B14F-4D97-AF65-F5344CB8AC3E}">
+        <p14:creationId xmlns:p14="http://schemas.microsoft.com/office/powerpoint/2010/main" val="2415348113"/>
+      </p:ext>
+    </p:extLst>
+  </p:cSld>
+  <p:clrMapOvr>
+    <a:masterClrMapping/>
+  </p:clrMapOvr>
+</p:sld>
+</file>
+
+<file path=ppt/slides/slide9.xml><?xml version="1.0" encoding="utf-8"?>
 <p:sld xmlns:a="http://schemas.openxmlformats.org/drawingml/2006/main" xmlns:r="http://schemas.openxmlformats.org/officeDocument/2006/relationships" xmlns:p="http://schemas.openxmlformats.org/presentationml/2006/main">
   <p:cSld>
     <p:bg>
